--- a/MoteurCC_3Sigma/Figures_Documentation.pptx
+++ b/MoteurCC_3Sigma/Figures_Documentation.pptx
@@ -272,7 +272,7 @@
           <a:p>
             <a:fld id="{D8F77264-DAD5-491C-B248-225FD8257E34}" type="datetimeFigureOut">
               <a:rPr lang="fr-FR" smtClean="0"/>
-              <a:t>12/02/2022</a:t>
+              <a:t>04/07/2022</a:t>
             </a:fld>
             <a:endParaRPr lang="fr-FR"/>
           </a:p>
@@ -470,7 +470,7 @@
           <a:p>
             <a:fld id="{D8F77264-DAD5-491C-B248-225FD8257E34}" type="datetimeFigureOut">
               <a:rPr lang="fr-FR" smtClean="0"/>
-              <a:t>12/02/2022</a:t>
+              <a:t>04/07/2022</a:t>
             </a:fld>
             <a:endParaRPr lang="fr-FR"/>
           </a:p>
@@ -678,7 +678,7 @@
           <a:p>
             <a:fld id="{D8F77264-DAD5-491C-B248-225FD8257E34}" type="datetimeFigureOut">
               <a:rPr lang="fr-FR" smtClean="0"/>
-              <a:t>12/02/2022</a:t>
+              <a:t>04/07/2022</a:t>
             </a:fld>
             <a:endParaRPr lang="fr-FR"/>
           </a:p>
@@ -876,7 +876,7 @@
           <a:p>
             <a:fld id="{D8F77264-DAD5-491C-B248-225FD8257E34}" type="datetimeFigureOut">
               <a:rPr lang="fr-FR" smtClean="0"/>
-              <a:t>12/02/2022</a:t>
+              <a:t>04/07/2022</a:t>
             </a:fld>
             <a:endParaRPr lang="fr-FR"/>
           </a:p>
@@ -1151,7 +1151,7 @@
           <a:p>
             <a:fld id="{D8F77264-DAD5-491C-B248-225FD8257E34}" type="datetimeFigureOut">
               <a:rPr lang="fr-FR" smtClean="0"/>
-              <a:t>12/02/2022</a:t>
+              <a:t>04/07/2022</a:t>
             </a:fld>
             <a:endParaRPr lang="fr-FR"/>
           </a:p>
@@ -1416,7 +1416,7 @@
           <a:p>
             <a:fld id="{D8F77264-DAD5-491C-B248-225FD8257E34}" type="datetimeFigureOut">
               <a:rPr lang="fr-FR" smtClean="0"/>
-              <a:t>12/02/2022</a:t>
+              <a:t>04/07/2022</a:t>
             </a:fld>
             <a:endParaRPr lang="fr-FR"/>
           </a:p>
@@ -1828,7 +1828,7 @@
           <a:p>
             <a:fld id="{D8F77264-DAD5-491C-B248-225FD8257E34}" type="datetimeFigureOut">
               <a:rPr lang="fr-FR" smtClean="0"/>
-              <a:t>12/02/2022</a:t>
+              <a:t>04/07/2022</a:t>
             </a:fld>
             <a:endParaRPr lang="fr-FR"/>
           </a:p>
@@ -1969,7 +1969,7 @@
           <a:p>
             <a:fld id="{D8F77264-DAD5-491C-B248-225FD8257E34}" type="datetimeFigureOut">
               <a:rPr lang="fr-FR" smtClean="0"/>
-              <a:t>12/02/2022</a:t>
+              <a:t>04/07/2022</a:t>
             </a:fld>
             <a:endParaRPr lang="fr-FR"/>
           </a:p>
@@ -2082,7 +2082,7 @@
           <a:p>
             <a:fld id="{D8F77264-DAD5-491C-B248-225FD8257E34}" type="datetimeFigureOut">
               <a:rPr lang="fr-FR" smtClean="0"/>
-              <a:t>12/02/2022</a:t>
+              <a:t>04/07/2022</a:t>
             </a:fld>
             <a:endParaRPr lang="fr-FR"/>
           </a:p>
@@ -2393,7 +2393,7 @@
           <a:p>
             <a:fld id="{D8F77264-DAD5-491C-B248-225FD8257E34}" type="datetimeFigureOut">
               <a:rPr lang="fr-FR" smtClean="0"/>
-              <a:t>12/02/2022</a:t>
+              <a:t>04/07/2022</a:t>
             </a:fld>
             <a:endParaRPr lang="fr-FR"/>
           </a:p>
@@ -2681,7 +2681,7 @@
           <a:p>
             <a:fld id="{D8F77264-DAD5-491C-B248-225FD8257E34}" type="datetimeFigureOut">
               <a:rPr lang="fr-FR" smtClean="0"/>
-              <a:t>12/02/2022</a:t>
+              <a:t>04/07/2022</a:t>
             </a:fld>
             <a:endParaRPr lang="fr-FR"/>
           </a:p>
@@ -2922,7 +2922,7 @@
           <a:p>
             <a:fld id="{D8F77264-DAD5-491C-B248-225FD8257E34}" type="datetimeFigureOut">
               <a:rPr lang="fr-FR" smtClean="0"/>
-              <a:t>12/02/2022</a:t>
+              <a:t>04/07/2022</a:t>
             </a:fld>
             <a:endParaRPr lang="fr-FR"/>
           </a:p>
@@ -3816,12 +3816,12 @@
             <p:spPr/>
             <p:txBody>
               <a:bodyPr>
-                <a:normAutofit/>
+                <a:normAutofit lnSpcReduction="10000"/>
               </a:bodyPr>
               <a:lstStyle/>
               <a:p>
                 <a:r>
-                  <a:rPr lang="fr-FR" dirty="0"/>
+                  <a:rPr lang="fr-FR" dirty="0" smtClean="0"/>
                   <a:t>Rapport de réduction : 34</a:t>
                 </a:r>
               </a:p>
@@ -3920,6 +3920,122 @@
                     </m:r>
                   </m:oMath>
                 </a14:m>
+                <a:endParaRPr lang="fr-FR" b="0" dirty="0" smtClean="0"/>
+              </a:p>
+              <a:p>
+                <a14:m>
+                  <m:oMath xmlns:m="http://schemas.openxmlformats.org/officeDocument/2006/math">
+                    <m:sSub>
+                      <m:sSubPr>
+                        <m:ctrlPr>
+                          <a:rPr lang="fr-FR" b="0" i="1" smtClean="0">
+                            <a:latin typeface="Cambria Math" panose="02040503050406030204" pitchFamily="18" charset="0"/>
+                          </a:rPr>
+                        </m:ctrlPr>
+                      </m:sSubPr>
+                      <m:e>
+                        <m:r>
+                          <a:rPr lang="fr-FR" b="0" i="1" smtClean="0">
+                            <a:latin typeface="Cambria Math" panose="02040503050406030204" pitchFamily="18" charset="0"/>
+                          </a:rPr>
+                          <m:t>𝐽</m:t>
+                        </m:r>
+                      </m:e>
+                      <m:sub>
+                        <m:r>
+                          <a:rPr lang="fr-FR" b="0" i="1" smtClean="0">
+                            <a:latin typeface="Cambria Math" panose="02040503050406030204" pitchFamily="18" charset="0"/>
+                          </a:rPr>
+                          <m:t>𝑚</m:t>
+                        </m:r>
+                      </m:sub>
+                    </m:sSub>
+                    <m:r>
+                      <a:rPr lang="fr-FR" b="0" i="1" smtClean="0">
+                        <a:latin typeface="Cambria Math" panose="02040503050406030204" pitchFamily="18" charset="0"/>
+                      </a:rPr>
+                      <m:t>=3×</m:t>
+                    </m:r>
+                    <m:sSup>
+                      <m:sSupPr>
+                        <m:ctrlPr>
+                          <a:rPr lang="fr-FR" b="0" i="1" smtClean="0">
+                            <a:latin typeface="Cambria Math" panose="02040503050406030204" pitchFamily="18" charset="0"/>
+                          </a:rPr>
+                        </m:ctrlPr>
+                      </m:sSupPr>
+                      <m:e>
+                        <m:r>
+                          <a:rPr lang="fr-FR" b="0" i="1" smtClean="0">
+                            <a:latin typeface="Cambria Math" panose="02040503050406030204" pitchFamily="18" charset="0"/>
+                          </a:rPr>
+                          <m:t>10</m:t>
+                        </m:r>
+                      </m:e>
+                      <m:sup>
+                        <m:r>
+                          <a:rPr lang="fr-FR" b="0" i="1" smtClean="0">
+                            <a:latin typeface="Cambria Math" panose="02040503050406030204" pitchFamily="18" charset="0"/>
+                          </a:rPr>
+                          <m:t>−6</m:t>
+                        </m:r>
+                      </m:sup>
+                    </m:sSup>
+                    <m:r>
+                      <a:rPr lang="fr-FR" b="0" i="1" smtClean="0">
+                        <a:latin typeface="Cambria Math" panose="02040503050406030204" pitchFamily="18" charset="0"/>
+                      </a:rPr>
+                      <m:t> </m:t>
+                    </m:r>
+                    <m:r>
+                      <m:rPr>
+                        <m:sty m:val="p"/>
+                      </m:rPr>
+                      <a:rPr lang="fr-FR" b="0" i="0" smtClean="0">
+                        <a:latin typeface="Cambria Math" panose="02040503050406030204" pitchFamily="18" charset="0"/>
+                      </a:rPr>
+                      <m:t>kg</m:t>
+                    </m:r>
+                    <m:r>
+                      <a:rPr lang="fr-FR" b="0" i="0" smtClean="0">
+                        <a:latin typeface="Cambria Math" panose="02040503050406030204" pitchFamily="18" charset="0"/>
+                      </a:rPr>
+                      <m:t>.</m:t>
+                    </m:r>
+                    <m:sSup>
+                      <m:sSupPr>
+                        <m:ctrlPr>
+                          <a:rPr lang="fr-FR" b="0" smtClean="0">
+                            <a:latin typeface="Cambria Math" panose="02040503050406030204" pitchFamily="18" charset="0"/>
+                          </a:rPr>
+                        </m:ctrlPr>
+                      </m:sSupPr>
+                      <m:e>
+                        <m:r>
+                          <m:rPr>
+                            <m:sty m:val="p"/>
+                          </m:rPr>
+                          <a:rPr lang="fr-FR" b="0" i="0" smtClean="0">
+                            <a:latin typeface="Cambria Math" panose="02040503050406030204" pitchFamily="18" charset="0"/>
+                          </a:rPr>
+                          <m:t>m</m:t>
+                        </m:r>
+                      </m:e>
+                      <m:sup>
+                        <m:r>
+                          <a:rPr lang="fr-FR" b="0" i="0" smtClean="0">
+                            <a:latin typeface="Cambria Math" panose="02040503050406030204" pitchFamily="18" charset="0"/>
+                          </a:rPr>
+                          <m:t>2</m:t>
+                        </m:r>
+                      </m:sup>
+                    </m:sSup>
+                  </m:oMath>
+                </a14:m>
+                <a:r>
+                  <a:rPr lang="fr-FR" b="0" dirty="0" smtClean="0"/>
+                  <a:t> à confirmer</a:t>
+                </a:r>
                 <a:endParaRPr lang="fr-FR" b="0" dirty="0"/>
               </a:p>
               <a:p>
@@ -4059,7 +4175,7 @@
               <a:blipFill>
                 <a:blip r:embed="rId2"/>
                 <a:stretch>
-                  <a:fillRect l="-1043" t="-2241"/>
+                  <a:fillRect l="-1043" t="-3081" b="-280"/>
                 </a:stretch>
               </a:blipFill>
             </p:spPr>
